--- a/Nojus Kybartas aliuminis 2.pptx
+++ b/Nojus Kybartas aliuminis 2.pptx
@@ -233,7 +233,7 @@
           <a:p>
             <a:fld id="{0DC994AA-C437-4EF4-8BEF-0B832D7FA420}" type="datetimeFigureOut">
               <a:rPr lang="en-US" smtClean="0"/>
-              <a:t>10/22/2025</a:t>
+              <a:t>10/29/25</a:t>
             </a:fld>
             <a:endParaRPr lang="en-US"/>
           </a:p>
@@ -410,7 +410,7 @@
           <a:p>
             <a:fld id="{3B4FE048-FAD0-D943-9A17-3C4CB7633182}" type="datetimeFigureOut">
               <a:rPr lang="en-US" smtClean="0"/>
-              <a:t>10/22/2025</a:t>
+              <a:t>10/29/25</a:t>
             </a:fld>
             <a:endParaRPr lang="en-US"/>
           </a:p>
@@ -2102,7 +2102,7 @@
           <a:p>
             <a:fld id="{D6D8061D-18C3-4F4F-85EF-561633F58754}" type="datetimeFigureOut">
               <a:rPr lang="en-US" smtClean="0"/>
-              <a:t>10/22/2025</a:t>
+              <a:t>10/29/25</a:t>
             </a:fld>
             <a:endParaRPr lang="en-US"/>
           </a:p>
@@ -2287,7 +2287,7 @@
           <a:p>
             <a:fld id="{D6D8061D-18C3-4F4F-85EF-561633F58754}" type="datetimeFigureOut">
               <a:rPr lang="en-US" smtClean="0"/>
-              <a:t>10/22/2025</a:t>
+              <a:t>10/29/25</a:t>
             </a:fld>
             <a:endParaRPr lang="en-US"/>
           </a:p>
@@ -4030,7 +4030,7 @@
           <a:p>
             <a:fld id="{D6D8061D-18C3-4F4F-85EF-561633F58754}" type="datetimeFigureOut">
               <a:rPr lang="en-US" smtClean="0"/>
-              <a:t>10/22/2025</a:t>
+              <a:t>10/29/25</a:t>
             </a:fld>
             <a:endParaRPr lang="en-US"/>
           </a:p>
@@ -4465,7 +4465,7 @@
           <a:p>
             <a:fld id="{D6D8061D-18C3-4F4F-85EF-561633F58754}" type="datetimeFigureOut">
               <a:rPr lang="en-US" smtClean="0"/>
-              <a:t>10/22/2025</a:t>
+              <a:t>10/29/25</a:t>
             </a:fld>
             <a:endParaRPr lang="en-US"/>
           </a:p>
@@ -5124,7 +5124,7 @@
           <a:p>
             <a:fld id="{D6D8061D-18C3-4F4F-85EF-561633F58754}" type="datetimeFigureOut">
               <a:rPr lang="en-US" smtClean="0"/>
-              <a:t>10/22/2025</a:t>
+              <a:t>10/29/25</a:t>
             </a:fld>
             <a:endParaRPr lang="en-US"/>
           </a:p>
@@ -5367,7 +5367,7 @@
           <a:p>
             <a:fld id="{D6D8061D-18C3-4F4F-85EF-561633F58754}" type="datetimeFigureOut">
               <a:rPr lang="en-US" smtClean="0"/>
-              <a:t>10/22/2025</a:t>
+              <a:t>10/29/25</a:t>
             </a:fld>
             <a:endParaRPr lang="en-US"/>
           </a:p>
@@ -6207,15 +6207,6 @@
           <a:solidFill>
             <a:srgbClr val="FFFFFF"/>
           </a:solidFill>
-          <a:extLst>
-            <a:ext uri="{909E8E84-426E-40DD-AFC4-6F175D3DCCD1}">
-              <a14:hiddenFill xmlns:a14="http://schemas.microsoft.com/office/drawing/2010/main">
-                <a:solidFill>
-                  <a:srgbClr val="FFFFFF"/>
-                </a:solidFill>
-              </a14:hiddenFill>
-            </a:ext>
-          </a:extLst>
         </p:spPr>
       </p:pic>
     </p:spTree>
@@ -6956,7 +6947,7 @@
         </p:nvSpPr>
         <p:spPr>
           <a:xfrm>
-            <a:off x="838199" y="2024781"/>
+            <a:off x="838200" y="2002603"/>
             <a:ext cx="5212079" cy="4137189"/>
           </a:xfrm>
           <a:noFill/>
@@ -7044,7 +7035,7 @@
         </p:nvSpPr>
         <p:spPr>
           <a:xfrm>
-            <a:off x="6459794" y="1691640"/>
+            <a:off x="7297994" y="1691640"/>
             <a:ext cx="4894006" cy="4137189"/>
           </a:xfrm>
           <a:noFill/>
@@ -7065,7 +7056,37 @@
             </a:r>
             <a:r>
               <a:rPr lang="it-IT" dirty="0"/>
-              <a:t> 4Al + 3O₂ → 2Al₂O₃</a:t>
+              <a:t> </a:t>
+            </a:r>
+            <a:r>
+              <a:rPr lang="lt-LT" b="0" i="0" u="none" strike="noStrike" dirty="0">
+                <a:solidFill>
+                  <a:srgbClr val="000000"/>
+                </a:solidFill>
+                <a:effectLst/>
+                <a:latin typeface="-webkit-standard"/>
+              </a:rPr>
+              <a:t>Keturios aliuminio dalelės reaguoja su trimis deguonies molekulėmis ir susidaro dvi aliuminio </a:t>
+            </a:r>
+            <a:r>
+              <a:rPr lang="lt-LT" b="0" i="0" u="none" strike="noStrike" dirty="0" err="1">
+                <a:solidFill>
+                  <a:srgbClr val="000000"/>
+                </a:solidFill>
+                <a:effectLst/>
+                <a:latin typeface="-webkit-standard"/>
+              </a:rPr>
+              <a:t>trioksido</a:t>
+            </a:r>
+            <a:r>
+              <a:rPr lang="lt-LT" b="0" i="0" u="none" strike="noStrike" dirty="0">
+                <a:solidFill>
+                  <a:srgbClr val="000000"/>
+                </a:solidFill>
+                <a:effectLst/>
+                <a:latin typeface="-webkit-standard"/>
+              </a:rPr>
+              <a:t> molekulės.</a:t>
             </a:r>
             <a:endParaRPr lang="en-US" dirty="0"/>
           </a:p>
@@ -7089,7 +7110,17 @@
             </a:r>
             <a:r>
               <a:rPr lang="es-ES" dirty="0"/>
-              <a:t> 2Al + 6HCl → 2AlCl₃ + 3H₂</a:t>
+              <a:t> </a:t>
+            </a:r>
+            <a:r>
+              <a:rPr lang="lt-LT" b="0" i="0" u="none" strike="noStrike" dirty="0">
+                <a:solidFill>
+                  <a:srgbClr val="000000"/>
+                </a:solidFill>
+                <a:effectLst/>
+                <a:latin typeface="-webkit-standard"/>
+              </a:rPr>
+              <a:t>Dvi aliuminio dalelės reaguoja su šešiais vandenilio chlorido molekulėmis ir susidaro dvi aliuminio chlorido molekulės bei trys vandenilio molekulės.</a:t>
             </a:r>
             <a:endParaRPr lang="en-US" dirty="0"/>
           </a:p>
@@ -7152,7 +7183,7 @@
         </p:nvSpPr>
         <p:spPr>
           <a:xfrm>
-            <a:off x="0" y="6303963"/>
+            <a:off x="2532087" y="6303963"/>
             <a:ext cx="12192000" cy="554037"/>
           </a:xfrm>
           <a:prstGeom prst="rect">
@@ -7295,7 +7326,9 @@
           </a:xfrm>
         </p:spPr>
         <p:txBody>
-          <a:bodyPr/>
+          <a:bodyPr>
+            <a:normAutofit fontScale="92500" lnSpcReduction="10000"/>
+          </a:bodyPr>
           <a:lstStyle/>
           <a:p>
             <a:r>
@@ -7304,7 +7337,226 @@
             </a:r>
             <a:r>
               <a:rPr lang="lt-LT" dirty="0"/>
-              <a:t> Boksitai (Al₂O₃ · nH₂O)</a:t>
+              <a:t> </a:t>
+            </a:r>
+            <a:r>
+              <a:rPr lang="en-US" b="0" i="0" u="none" strike="noStrike" dirty="0" err="1">
+                <a:solidFill>
+                  <a:srgbClr val="000000"/>
+                </a:solidFill>
+                <a:effectLst/>
+                <a:latin typeface="-webkit-standard"/>
+              </a:rPr>
+              <a:t>Boksitai</a:t>
+            </a:r>
+            <a:r>
+              <a:rPr lang="en-US" b="0" i="0" u="none" strike="noStrike" dirty="0">
+                <a:solidFill>
+                  <a:srgbClr val="000000"/>
+                </a:solidFill>
+                <a:effectLst/>
+                <a:latin typeface="-webkit-standard"/>
+              </a:rPr>
+              <a:t> </a:t>
+            </a:r>
+            <a:r>
+              <a:rPr lang="en-US" b="0" i="0" u="none" strike="noStrike" dirty="0" err="1">
+                <a:solidFill>
+                  <a:srgbClr val="000000"/>
+                </a:solidFill>
+                <a:effectLst/>
+                <a:latin typeface="-webkit-standard"/>
+              </a:rPr>
+              <a:t>yra</a:t>
+            </a:r>
+            <a:r>
+              <a:rPr lang="en-US" b="0" i="0" u="none" strike="noStrike" dirty="0">
+                <a:solidFill>
+                  <a:srgbClr val="000000"/>
+                </a:solidFill>
+                <a:effectLst/>
+                <a:latin typeface="-webkit-standard"/>
+              </a:rPr>
+              <a:t> </a:t>
+            </a:r>
+            <a:r>
+              <a:rPr lang="en-US" b="0" i="0" u="none" strike="noStrike" dirty="0" err="1">
+                <a:solidFill>
+                  <a:srgbClr val="000000"/>
+                </a:solidFill>
+                <a:effectLst/>
+                <a:latin typeface="-webkit-standard"/>
+              </a:rPr>
+              <a:t>pagrindinis</a:t>
+            </a:r>
+            <a:r>
+              <a:rPr lang="en-US" b="0" i="0" u="none" strike="noStrike" dirty="0">
+                <a:solidFill>
+                  <a:srgbClr val="000000"/>
+                </a:solidFill>
+                <a:effectLst/>
+                <a:latin typeface="-webkit-standard"/>
+              </a:rPr>
+              <a:t> </a:t>
+            </a:r>
+            <a:r>
+              <a:rPr lang="en-US" b="0" i="0" u="none" strike="noStrike" dirty="0" err="1">
+                <a:solidFill>
+                  <a:srgbClr val="000000"/>
+                </a:solidFill>
+                <a:effectLst/>
+                <a:latin typeface="-webkit-standard"/>
+              </a:rPr>
+              <a:t>aliuminio</a:t>
+            </a:r>
+            <a:r>
+              <a:rPr lang="en-US" b="0" i="0" u="none" strike="noStrike" dirty="0">
+                <a:solidFill>
+                  <a:srgbClr val="000000"/>
+                </a:solidFill>
+                <a:effectLst/>
+                <a:latin typeface="-webkit-standard"/>
+              </a:rPr>
+              <a:t> </a:t>
+            </a:r>
+            <a:r>
+              <a:rPr lang="en-US" b="0" i="0" u="none" strike="noStrike" dirty="0" err="1">
+                <a:solidFill>
+                  <a:srgbClr val="000000"/>
+                </a:solidFill>
+                <a:effectLst/>
+                <a:latin typeface="-webkit-standard"/>
+              </a:rPr>
+              <a:t>šaltinis</a:t>
+            </a:r>
+            <a:r>
+              <a:rPr lang="en-US" b="0" i="0" u="none" strike="noStrike" dirty="0">
+                <a:solidFill>
+                  <a:srgbClr val="000000"/>
+                </a:solidFill>
+                <a:effectLst/>
+                <a:latin typeface="-webkit-standard"/>
+              </a:rPr>
+              <a:t>, </a:t>
+            </a:r>
+            <a:r>
+              <a:rPr lang="en-US" b="0" i="0" u="none" strike="noStrike" dirty="0" err="1">
+                <a:solidFill>
+                  <a:srgbClr val="000000"/>
+                </a:solidFill>
+                <a:effectLst/>
+                <a:latin typeface="-webkit-standard"/>
+              </a:rPr>
+              <a:t>juose</a:t>
+            </a:r>
+            <a:r>
+              <a:rPr lang="en-US" b="0" i="0" u="none" strike="noStrike" dirty="0">
+                <a:solidFill>
+                  <a:srgbClr val="000000"/>
+                </a:solidFill>
+                <a:effectLst/>
+                <a:latin typeface="-webkit-standard"/>
+              </a:rPr>
+              <a:t> </a:t>
+            </a:r>
+            <a:r>
+              <a:rPr lang="en-US" b="0" i="0" u="none" strike="noStrike" dirty="0" err="1">
+                <a:solidFill>
+                  <a:srgbClr val="000000"/>
+                </a:solidFill>
+                <a:effectLst/>
+                <a:latin typeface="-webkit-standard"/>
+              </a:rPr>
+              <a:t>yra</a:t>
+            </a:r>
+            <a:r>
+              <a:rPr lang="en-US" b="0" i="0" u="none" strike="noStrike" dirty="0">
+                <a:solidFill>
+                  <a:srgbClr val="000000"/>
+                </a:solidFill>
+                <a:effectLst/>
+                <a:latin typeface="-webkit-standard"/>
+              </a:rPr>
+              <a:t> </a:t>
+            </a:r>
+            <a:r>
+              <a:rPr lang="en-US" b="0" i="0" u="none" strike="noStrike" dirty="0" err="1">
+                <a:solidFill>
+                  <a:srgbClr val="000000"/>
+                </a:solidFill>
+                <a:effectLst/>
+                <a:latin typeface="-webkit-standard"/>
+              </a:rPr>
+              <a:t>aliuminio</a:t>
+            </a:r>
+            <a:r>
+              <a:rPr lang="en-US" b="0" i="0" u="none" strike="noStrike" dirty="0">
+                <a:solidFill>
+                  <a:srgbClr val="000000"/>
+                </a:solidFill>
+                <a:effectLst/>
+                <a:latin typeface="-webkit-standard"/>
+              </a:rPr>
+              <a:t> </a:t>
+            </a:r>
+            <a:r>
+              <a:rPr lang="en-US" b="0" i="0" u="none" strike="noStrike" dirty="0" err="1">
+                <a:solidFill>
+                  <a:srgbClr val="000000"/>
+                </a:solidFill>
+                <a:effectLst/>
+                <a:latin typeface="-webkit-standard"/>
+              </a:rPr>
+              <a:t>oksido</a:t>
+            </a:r>
+            <a:r>
+              <a:rPr lang="en-US" b="0" i="0" u="none" strike="noStrike" dirty="0">
+                <a:solidFill>
+                  <a:srgbClr val="000000"/>
+                </a:solidFill>
+                <a:effectLst/>
+                <a:latin typeface="-webkit-standard"/>
+              </a:rPr>
+              <a:t> </a:t>
+            </a:r>
+            <a:r>
+              <a:rPr lang="en-US" b="0" i="0" u="none" strike="noStrike" dirty="0" err="1">
+                <a:solidFill>
+                  <a:srgbClr val="000000"/>
+                </a:solidFill>
+                <a:effectLst/>
+                <a:latin typeface="-webkit-standard"/>
+              </a:rPr>
+              <a:t>ir</a:t>
+            </a:r>
+            <a:r>
+              <a:rPr lang="en-US" b="0" i="0" u="none" strike="noStrike" dirty="0">
+                <a:solidFill>
+                  <a:srgbClr val="000000"/>
+                </a:solidFill>
+                <a:effectLst/>
+                <a:latin typeface="-webkit-standard"/>
+              </a:rPr>
+              <a:t> </a:t>
+            </a:r>
+            <a:r>
+              <a:rPr lang="en-US" b="0" i="0" u="none" strike="noStrike" dirty="0" err="1">
+                <a:solidFill>
+                  <a:srgbClr val="000000"/>
+                </a:solidFill>
+                <a:effectLst/>
+                <a:latin typeface="-webkit-standard"/>
+              </a:rPr>
+              <a:t>vandens</a:t>
+            </a:r>
+            <a:r>
+              <a:rPr lang="en-US" dirty="0">
+                <a:solidFill>
+                  <a:srgbClr val="000000"/>
+                </a:solidFill>
+                <a:latin typeface="-webkit-standard"/>
+              </a:rPr>
+              <a:t>.</a:t>
             </a:r>
             <a:endParaRPr lang="en-US" dirty="0"/>
           </a:p>
@@ -7315,7 +7567,57 @@
             </a:r>
             <a:r>
               <a:rPr lang="sv-SE" dirty="0"/>
-              <a:t> Elektrolizė (Hall-Héroult procesas)</a:t>
+              <a:t> </a:t>
+            </a:r>
+            <a:r>
+              <a:rPr lang="lt-LT" b="1" i="0" u="none" strike="noStrike" dirty="0">
+                <a:solidFill>
+                  <a:srgbClr val="000000"/>
+                </a:solidFill>
+                <a:effectLst/>
+              </a:rPr>
+              <a:t>Elektrolizė (</a:t>
+            </a:r>
+            <a:r>
+              <a:rPr lang="lt-LT" b="1" i="0" u="none" strike="noStrike" dirty="0" err="1">
+                <a:solidFill>
+                  <a:srgbClr val="000000"/>
+                </a:solidFill>
+                <a:effectLst/>
+              </a:rPr>
+              <a:t>Hall-Héroult</a:t>
+            </a:r>
+            <a:r>
+              <a:rPr lang="lt-LT" b="1" i="0" u="none" strike="noStrike" dirty="0">
+                <a:solidFill>
+                  <a:srgbClr val="000000"/>
+                </a:solidFill>
+                <a:effectLst/>
+              </a:rPr>
+              <a:t> procesas)</a:t>
+            </a:r>
+            <a:br>
+              <a:rPr lang="lt-LT" dirty="0"/>
+            </a:br>
+            <a:r>
+              <a:rPr lang="lt-LT" b="0" i="0" u="none" strike="noStrike" dirty="0">
+                <a:solidFill>
+                  <a:srgbClr val="000000"/>
+                </a:solidFill>
+                <a:effectLst/>
+                <a:latin typeface="-webkit-standard"/>
+              </a:rPr>
+              <a:t>Aliuminis gaunamas iš ištirpinto aliuminio oksido elektrolizės būdu procesu</a:t>
+            </a:r>
+            <a:r>
+              <a:rPr lang="en-US" b="0" i="0" u="none" strike="noStrike" dirty="0">
+                <a:solidFill>
+                  <a:srgbClr val="000000"/>
+                </a:solidFill>
+                <a:effectLst/>
+                <a:latin typeface="-webkit-standard"/>
+              </a:rPr>
+              <a:t>.</a:t>
             </a:r>
             <a:endParaRPr lang="en-US" dirty="0"/>
           </a:p>
@@ -7325,8 +7627,18 @@
               <a:t>Procesas:</a:t>
             </a:r>
             <a:r>
-              <a:rPr lang="es-ES" dirty="0"/>
-              <a:t> 2Al₂O₃ → 4Al + 3O₂</a:t>
+              <a:rPr lang="en-US" b="1" dirty="0"/>
+              <a:t> </a:t>
+            </a:r>
+            <a:r>
+              <a:rPr lang="lt-LT" b="0" i="0" u="none" strike="noStrike" dirty="0">
+                <a:solidFill>
+                  <a:srgbClr val="000000"/>
+                </a:solidFill>
+                <a:effectLst/>
+                <a:latin typeface="-webkit-standard"/>
+              </a:rPr>
+              <a:t>Iš dviejų aliuminio oksido molekulių gaunamos keturios aliuminio dalelės ir trys deguonies molekulės.</a:t>
             </a:r>
             <a:endParaRPr lang="en-US" dirty="0"/>
           </a:p>
@@ -8385,15 +8697,6 @@
           <a:solidFill>
             <a:srgbClr val="FFFFFF"/>
           </a:solidFill>
-          <a:extLst>
-            <a:ext uri="{909E8E84-426E-40DD-AFC4-6F175D3DCCD1}">
-              <a14:hiddenFill xmlns:a14="http://schemas.microsoft.com/office/drawing/2010/main">
-                <a:solidFill>
-                  <a:srgbClr val="FFFFFF"/>
-                </a:solidFill>
-              </a14:hiddenFill>
-            </a:ext>
-          </a:extLst>
         </p:spPr>
       </p:pic>
       <p:sp>
@@ -9580,6 +9883,15 @@
 </file>
 
 <file path=customXml/item1.xml><?xml version="1.0" encoding="utf-8"?>
+<?mso-contentType ?>
+<FormTemplates xmlns="http://schemas.microsoft.com/sharepoint/v3/contenttype/forms">
+  <Display>DocumentLibraryForm</Display>
+  <Edit>DocumentLibraryForm</Edit>
+  <New>DocumentLibraryForm</New>
+</FormTemplates>
+</file>
+
+<file path=customXml/item2.xml><?xml version="1.0" encoding="utf-8"?>
 <ct:contentTypeSchema xmlns:ct="http://schemas.microsoft.com/office/2006/metadata/contentType" xmlns:ma="http://schemas.microsoft.com/office/2006/metadata/properties/metaAttributes" ct:_="" ma:_="" ma:contentTypeName="Document" ma:contentTypeID="0x01010079F111ED35F8CC479449609E8A0923A6" ma:contentTypeVersion="28" ma:contentTypeDescription="Create a new document." ma:contentTypeScope="" ma:versionID="60f5a4f2d2b0abadcf532d48ebf9cb71">
   <xsd:schema xmlns:xsd="http://www.w3.org/2001/XMLSchema" xmlns:xs="http://www.w3.org/2001/XMLSchema" xmlns:p="http://schemas.microsoft.com/office/2006/metadata/properties" xmlns:ns1="http://schemas.microsoft.com/sharepoint/v3" xmlns:ns2="71af3243-3dd4-4a8d-8c0d-dd76da1f02a5" xmlns:ns3="16c05727-aa75-4e4a-9b5f-8a80a1165891" xmlns:ns4="230e9df3-be65-4c73-a93b-d1236ebd677e" targetNamespace="http://schemas.microsoft.com/office/2006/metadata/properties" ma:root="true" ma:fieldsID="7dd78129e6a1811f84807ad11c651531" ns1:_="" ns2:_="" ns3:_="" ns4:_="">
     <xsd:import namespace="http://schemas.microsoft.com/sharepoint/v3"/>
@@ -9891,15 +10203,6 @@
 </ct:contentTypeSchema>
 </file>
 
-<file path=customXml/item2.xml><?xml version="1.0" encoding="utf-8"?>
-<?mso-contentType ?>
-<FormTemplates xmlns="http://schemas.microsoft.com/sharepoint/v3/contenttype/forms">
-  <Display>DocumentLibraryForm</Display>
-  <Edit>DocumentLibraryForm</Edit>
-  <New>DocumentLibraryForm</New>
-</FormTemplates>
-</file>
-
 <file path=customXml/item3.xml><?xml version="1.0" encoding="utf-8"?>
 <p:properties xmlns:p="http://schemas.microsoft.com/office/2006/metadata/properties" xmlns:xsi="http://www.w3.org/2001/XMLSchema-instance" xmlns:pc="http://schemas.microsoft.com/office/infopath/2007/PartnerControls">
   <documentManagement>
@@ -9921,30 +10224,24 @@
 </file>
 
 <file path=customXml/itemProps1.xml><?xml version="1.0" encoding="utf-8"?>
-<ds:datastoreItem xmlns:ds="http://schemas.openxmlformats.org/officeDocument/2006/customXml" ds:itemID="{5F2A2379-DD35-4769-BFD6-4857D72F808A}">
+<ds:datastoreItem xmlns:ds="http://schemas.openxmlformats.org/officeDocument/2006/customXml" ds:itemID="{0F048343-1EA9-44C3-883E-652FAAF0713E}">
   <ds:schemaRefs>
-    <ds:schemaRef ds:uri="http://schemas.microsoft.com/office/2006/metadata/contentType"/>
-    <ds:schemaRef ds:uri="http://schemas.microsoft.com/office/2006/metadata/properties/metaAttributes"/>
-    <ds:schemaRef ds:uri="http://www.w3.org/2001/XMLSchema"/>
-    <ds:schemaRef ds:uri="http://schemas.microsoft.com/office/2006/metadata/properties"/>
-    <ds:schemaRef ds:uri="http://schemas.microsoft.com/sharepoint/v3"/>
-    <ds:schemaRef ds:uri="71af3243-3dd4-4a8d-8c0d-dd76da1f02a5"/>
-    <ds:schemaRef ds:uri="16c05727-aa75-4e4a-9b5f-8a80a1165891"/>
-    <ds:schemaRef ds:uri="230e9df3-be65-4c73-a93b-d1236ebd677e"/>
-    <ds:schemaRef ds:uri="http://schemas.microsoft.com/office/2006/documentManagement/types"/>
-    <ds:schemaRef ds:uri="http://schemas.microsoft.com/office/infopath/2007/PartnerControls"/>
-    <ds:schemaRef ds:uri="http://schemas.openxmlformats.org/package/2006/metadata/core-properties"/>
-    <ds:schemaRef ds:uri="http://purl.org/dc/elements/1.1/"/>
-    <ds:schemaRef ds:uri="http://purl.org/dc/terms/"/>
-    <ds:schemaRef ds:uri="http://schemas.microsoft.com/internal/obd"/>
+    <ds:schemaRef ds:uri="http://schemas.microsoft.com/sharepoint/v3/contenttype/forms"/>
   </ds:schemaRefs>
 </ds:datastoreItem>
 </file>
 
 <file path=customXml/itemProps2.xml><?xml version="1.0" encoding="utf-8"?>
-<ds:datastoreItem xmlns:ds="http://schemas.openxmlformats.org/officeDocument/2006/customXml" ds:itemID="{0F048343-1EA9-44C3-883E-652FAAF0713E}">
+<ds:datastoreItem xmlns:ds="http://schemas.openxmlformats.org/officeDocument/2006/customXml" ds:itemID="{5F2A2379-DD35-4769-BFD6-4857D72F808A}">
   <ds:schemaRefs>
-    <ds:schemaRef ds:uri="http://schemas.microsoft.com/sharepoint/v3/contenttype/forms"/>
+    <ds:schemaRef ds:uri="http://schemas.microsoft.com/office/2006/metadata/contentType"/>
+    <ds:schemaRef ds:uri="http://schemas.microsoft.com/office/2006/metadata/properties/metaAttributes"/>
+    <ds:schemaRef ds:uri="http://www.w3.org/2000/xmlns/"/>
+    <ds:schemaRef ds:uri="http://www.w3.org/2001/XMLSchema"/>
+    <ds:schemaRef ds:uri="http://schemas.microsoft.com/sharepoint/v3"/>
+    <ds:schemaRef ds:uri="71af3243-3dd4-4a8d-8c0d-dd76da1f02a5"/>
+    <ds:schemaRef ds:uri="16c05727-aa75-4e4a-9b5f-8a80a1165891"/>
+    <ds:schemaRef ds:uri="230e9df3-be65-4c73-a93b-d1236ebd677e"/>
   </ds:schemaRefs>
 </ds:datastoreItem>
 </file>
@@ -9953,9 +10250,11 @@
 <ds:datastoreItem xmlns:ds="http://schemas.openxmlformats.org/officeDocument/2006/customXml" ds:itemID="{85C2645A-E767-4D7E-984D-234E531E4556}">
   <ds:schemaRefs>
     <ds:schemaRef ds:uri="http://schemas.microsoft.com/office/2006/metadata/properties"/>
+    <ds:schemaRef ds:uri="http://www.w3.org/2000/xmlns/"/>
+    <ds:schemaRef ds:uri="http://schemas.microsoft.com/sharepoint/v3"/>
+    <ds:schemaRef ds:uri="http://www.w3.org/2001/XMLSchema-instance"/>
+    <ds:schemaRef ds:uri="71af3243-3dd4-4a8d-8c0d-dd76da1f02a5"/>
     <ds:schemaRef ds:uri="http://schemas.microsoft.com/office/infopath/2007/PartnerControls"/>
-    <ds:schemaRef ds:uri="http://schemas.microsoft.com/sharepoint/v3"/>
-    <ds:schemaRef ds:uri="71af3243-3dd4-4a8d-8c0d-dd76da1f02a5"/>
     <ds:schemaRef ds:uri="230e9df3-be65-4c73-a93b-d1236ebd677e"/>
   </ds:schemaRefs>
 </ds:datastoreItem>
